--- a/eece2160/sp17/lectures/eece.2160sp17_lec11_for.pptx
+++ b/eece2160/sp17/lectures/eece.2160sp17_lec11_for.pptx
@@ -2278,9 +2278,9 @@
             </a:lvl1pPr>
           </a:lstStyle>
           <a:p>
-            <a:fld id="{4E85B27B-0E75-944E-9202-F160B5603E36}" type="datetime1">
+            <a:fld id="{BB0BD168-1DB8-FF4D-B718-AACEC6635D71}" type="datetime1">
               <a:rPr lang="en-US" smtClean="0"/>
-              <a:t>2/8/17</a:t>
+              <a:t>2/9/17</a:t>
             </a:fld>
             <a:endParaRPr lang="en-US"/>
           </a:p>
@@ -2315,7 +2315,7 @@
             </a:pPr>
             <a:r>
               <a:rPr lang="en-US" altLang="en-US" smtClean="0"/>
-              <a:t>ECE Application Programming:  Lecture 13</a:t>
+              <a:t>ECE Application Programming:  Lecture 11</a:t>
             </a:r>
             <a:endParaRPr lang="en-US" altLang="en-US"/>
           </a:p>
@@ -2475,9 +2475,9 @@
             </a:lvl1pPr>
           </a:lstStyle>
           <a:p>
-            <a:fld id="{7B189246-B82D-F841-AB4C-8957F66147B8}" type="datetime1">
+            <a:fld id="{A8FFCAE8-A5F4-D64D-A370-CED133947D4C}" type="datetime1">
               <a:rPr lang="en-US" smtClean="0"/>
-              <a:t>2/8/17</a:t>
+              <a:t>2/9/17</a:t>
             </a:fld>
             <a:endParaRPr lang="en-US"/>
           </a:p>
@@ -2509,7 +2509,7 @@
             </a:pPr>
             <a:r>
               <a:rPr lang="en-US" altLang="en-US" smtClean="0"/>
-              <a:t>ECE Application Programming:  Lecture 13</a:t>
+              <a:t>ECE Application Programming:  Lecture 11</a:t>
             </a:r>
             <a:endParaRPr lang="en-US" altLang="en-US"/>
           </a:p>
@@ -2681,9 +2681,9 @@
             </a:lvl1pPr>
           </a:lstStyle>
           <a:p>
-            <a:fld id="{A74A9A95-16F5-E949-A227-D431B5B8196C}" type="datetime1">
+            <a:fld id="{C3F0A51D-1F47-6F42-9685-F2F6F78C0C49}" type="datetime1">
               <a:rPr lang="en-US" smtClean="0"/>
-              <a:t>2/8/17</a:t>
+              <a:t>2/9/17</a:t>
             </a:fld>
             <a:endParaRPr lang="en-US"/>
           </a:p>
@@ -2715,7 +2715,7 @@
             </a:pPr>
             <a:r>
               <a:rPr lang="en-US" altLang="en-US" smtClean="0"/>
-              <a:t>ECE Application Programming:  Lecture 13</a:t>
+              <a:t>ECE Application Programming:  Lecture 11</a:t>
             </a:r>
             <a:endParaRPr lang="en-US" altLang="en-US"/>
           </a:p>
@@ -2944,9 +2944,9 @@
             </a:lvl1pPr>
           </a:lstStyle>
           <a:p>
-            <a:fld id="{70E00AEF-F45B-EC4C-B35E-2409C2E2FF6F}" type="datetime1">
+            <a:fld id="{2ACA0267-ED04-364C-BB46-51279A275C64}" type="datetime1">
               <a:rPr lang="en-US" smtClean="0"/>
-              <a:t>2/8/17</a:t>
+              <a:t>2/9/17</a:t>
             </a:fld>
             <a:endParaRPr lang="en-US"/>
           </a:p>
@@ -2978,7 +2978,7 @@
             </a:pPr>
             <a:r>
               <a:rPr lang="en-US" altLang="en-US" smtClean="0"/>
-              <a:t>ECE Application Programming:  Lecture 13</a:t>
+              <a:t>ECE Application Programming:  Lecture 11</a:t>
             </a:r>
             <a:endParaRPr lang="en-US" altLang="en-US"/>
           </a:p>
@@ -3207,9 +3207,9 @@
             </a:lvl1pPr>
           </a:lstStyle>
           <a:p>
-            <a:fld id="{DB3990BB-90C6-584D-AE7E-C89EA5C6C69F}" type="datetime1">
+            <a:fld id="{18FC77B1-2794-8548-9F9F-11B3FD0454E5}" type="datetime1">
               <a:rPr lang="en-US" smtClean="0"/>
-              <a:t>2/8/17</a:t>
+              <a:t>2/9/17</a:t>
             </a:fld>
             <a:endParaRPr lang="en-US"/>
           </a:p>
@@ -3241,7 +3241,7 @@
             </a:pPr>
             <a:r>
               <a:rPr lang="en-US" altLang="en-US" smtClean="0"/>
-              <a:t>ECE Application Programming:  Lecture 13</a:t>
+              <a:t>ECE Application Programming:  Lecture 11</a:t>
             </a:r>
             <a:endParaRPr lang="en-US" altLang="en-US"/>
           </a:p>
@@ -3403,9 +3403,9 @@
             </a:lvl1pPr>
           </a:lstStyle>
           <a:p>
-            <a:fld id="{43D0B078-0CE1-554E-B3AD-558C377F0815}" type="datetime1">
+            <a:fld id="{50874775-6C29-934D-AD3F-CE9F0E945FBA}" type="datetime1">
               <a:rPr lang="en-US" smtClean="0"/>
-              <a:t>2/8/17</a:t>
+              <a:t>2/9/17</a:t>
             </a:fld>
             <a:endParaRPr lang="en-US"/>
           </a:p>
@@ -3437,7 +3437,7 @@
             </a:pPr>
             <a:r>
               <a:rPr lang="en-US" altLang="en-US" smtClean="0"/>
-              <a:t>ECE Application Programming:  Lecture 13</a:t>
+              <a:t>ECE Application Programming:  Lecture 11</a:t>
             </a:r>
             <a:endParaRPr lang="en-US" altLang="en-US"/>
           </a:p>
@@ -3621,9 +3621,9 @@
             </a:lvl1pPr>
           </a:lstStyle>
           <a:p>
-            <a:fld id="{40141CC5-A62B-5E4B-9D9D-ED4146BBE332}" type="datetime1">
+            <a:fld id="{24CE9300-C123-7742-98FE-AD7E53563569}" type="datetime1">
               <a:rPr lang="en-US" smtClean="0"/>
-              <a:t>2/8/17</a:t>
+              <a:t>2/9/17</a:t>
             </a:fld>
             <a:endParaRPr lang="en-US"/>
           </a:p>
@@ -3655,7 +3655,7 @@
             </a:pPr>
             <a:r>
               <a:rPr lang="en-US" altLang="en-US" smtClean="0"/>
-              <a:t>ECE Application Programming:  Lecture 13</a:t>
+              <a:t>ECE Application Programming:  Lecture 11</a:t>
             </a:r>
             <a:endParaRPr lang="en-US" altLang="en-US"/>
           </a:p>
@@ -3935,9 +3935,9 @@
             </a:lvl1pPr>
           </a:lstStyle>
           <a:p>
-            <a:fld id="{EB6A363B-79E2-F340-87F1-7A43975FA1F6}" type="datetime1">
+            <a:fld id="{5432DBCF-6522-2B4A-910E-09DC22DE9DBF}" type="datetime1">
               <a:rPr lang="en-US" smtClean="0"/>
-              <a:t>2/8/17</a:t>
+              <a:t>2/9/17</a:t>
             </a:fld>
             <a:endParaRPr lang="en-US"/>
           </a:p>
@@ -3969,7 +3969,7 @@
             </a:pPr>
             <a:r>
               <a:rPr lang="en-US" altLang="en-US" smtClean="0"/>
-              <a:t>ECE Application Programming:  Lecture 13</a:t>
+              <a:t>ECE Application Programming:  Lecture 11</a:t>
             </a:r>
             <a:endParaRPr lang="en-US" altLang="en-US"/>
           </a:p>
@@ -4388,9 +4388,9 @@
             </a:lvl1pPr>
           </a:lstStyle>
           <a:p>
-            <a:fld id="{A967BB46-9FBF-944B-848C-2E29CD0F6848}" type="datetime1">
+            <a:fld id="{99839885-2133-614B-9DFA-C926EC429273}" type="datetime1">
               <a:rPr lang="en-US" smtClean="0"/>
-              <a:t>2/8/17</a:t>
+              <a:t>2/9/17</a:t>
             </a:fld>
             <a:endParaRPr lang="en-US"/>
           </a:p>
@@ -4422,7 +4422,7 @@
             </a:pPr>
             <a:r>
               <a:rPr lang="en-US" altLang="en-US" smtClean="0"/>
-              <a:t>ECE Application Programming:  Lecture 13</a:t>
+              <a:t>ECE Application Programming:  Lecture 11</a:t>
             </a:r>
             <a:endParaRPr lang="en-US" altLang="en-US"/>
           </a:p>
@@ -4532,9 +4532,9 @@
             </a:lvl1pPr>
           </a:lstStyle>
           <a:p>
-            <a:fld id="{D308131E-C5D8-E34A-9F14-8761AFE9ADA2}" type="datetime1">
+            <a:fld id="{A8C4609B-90E9-FC4B-9E79-A74388CFC5C7}" type="datetime1">
               <a:rPr lang="en-US" smtClean="0"/>
-              <a:t>2/8/17</a:t>
+              <a:t>2/9/17</a:t>
             </a:fld>
             <a:endParaRPr lang="en-US"/>
           </a:p>
@@ -4566,7 +4566,7 @@
             </a:pPr>
             <a:r>
               <a:rPr lang="en-US" altLang="en-US" smtClean="0"/>
-              <a:t>ECE Application Programming:  Lecture 13</a:t>
+              <a:t>ECE Application Programming:  Lecture 11</a:t>
             </a:r>
             <a:endParaRPr lang="en-US" altLang="en-US"/>
           </a:p>
@@ -4653,9 +4653,9 @@
             </a:lvl1pPr>
           </a:lstStyle>
           <a:p>
-            <a:fld id="{78DE996A-80AE-584A-83D8-45BB9B374B49}" type="datetime1">
+            <a:fld id="{6F6E3F54-ED0B-1242-931E-D72BCC85C295}" type="datetime1">
               <a:rPr lang="en-US" smtClean="0"/>
-              <a:t>2/8/17</a:t>
+              <a:t>2/9/17</a:t>
             </a:fld>
             <a:endParaRPr lang="en-US"/>
           </a:p>
@@ -4687,7 +4687,7 @@
             </a:pPr>
             <a:r>
               <a:rPr lang="en-US" altLang="en-US" smtClean="0"/>
-              <a:t>ECE Application Programming:  Lecture 13</a:t>
+              <a:t>ECE Application Programming:  Lecture 11</a:t>
             </a:r>
             <a:endParaRPr lang="en-US" altLang="en-US"/>
           </a:p>
@@ -4956,9 +4956,9 @@
             </a:lvl1pPr>
           </a:lstStyle>
           <a:p>
-            <a:fld id="{FF8C4D79-550C-7F47-AA4C-227A0421E3D8}" type="datetime1">
+            <a:fld id="{8514F8F2-B0D8-ED4E-9B42-F4E08462D2CC}" type="datetime1">
               <a:rPr lang="en-US" smtClean="0"/>
-              <a:t>2/8/17</a:t>
+              <a:t>2/9/17</a:t>
             </a:fld>
             <a:endParaRPr lang="en-US"/>
           </a:p>
@@ -4990,7 +4990,7 @@
             </a:pPr>
             <a:r>
               <a:rPr lang="en-US" altLang="en-US" smtClean="0"/>
-              <a:t>ECE Application Programming:  Lecture 13</a:t>
+              <a:t>ECE Application Programming:  Lecture 11</a:t>
             </a:r>
             <a:endParaRPr lang="en-US" altLang="en-US"/>
           </a:p>
@@ -5236,9 +5236,9 @@
             </a:lvl1pPr>
           </a:lstStyle>
           <a:p>
-            <a:fld id="{B7CE84BB-C383-CE46-A6CC-1919E2E13710}" type="datetime1">
+            <a:fld id="{97A9A159-7FD0-9C44-AF3E-C347C4D79EEC}" type="datetime1">
               <a:rPr lang="en-US" smtClean="0"/>
-              <a:t>2/8/17</a:t>
+              <a:t>2/9/17</a:t>
             </a:fld>
             <a:endParaRPr lang="en-US"/>
           </a:p>
@@ -5270,7 +5270,7 @@
             </a:pPr>
             <a:r>
               <a:rPr lang="en-US" altLang="en-US" smtClean="0"/>
-              <a:t>ECE Application Programming:  Lecture 13</a:t>
+              <a:t>ECE Application Programming:  Lecture 11</a:t>
             </a:r>
             <a:endParaRPr lang="en-US" altLang="en-US"/>
           </a:p>
@@ -5535,9 +5535,9 @@
             </a:lvl1pPr>
           </a:lstStyle>
           <a:p>
-            <a:fld id="{D3756169-408D-D64D-99FB-2A47C9A0EB76}" type="datetime1">
+            <a:fld id="{2BD82314-6B9E-0846-89BE-EFB8CD0D9D22}" type="datetime1">
               <a:rPr lang="en-US" smtClean="0"/>
-              <a:t>2/8/17</a:t>
+              <a:t>2/9/17</a:t>
             </a:fld>
             <a:endParaRPr lang="en-US"/>
           </a:p>
@@ -5591,7 +5591,7 @@
             </a:pPr>
             <a:r>
               <a:rPr lang="en-US" altLang="en-US" smtClean="0"/>
-              <a:t>ECE Application Programming:  Lecture 13</a:t>
+              <a:t>ECE Application Programming:  Lecture 11</a:t>
             </a:r>
             <a:endParaRPr lang="en-US" altLang="en-US"/>
           </a:p>
@@ -6302,7 +6302,9 @@
           </a:xfrm>
         </p:spPr>
         <p:txBody>
-          <a:bodyPr/>
+          <a:bodyPr>
+            <a:normAutofit lnSpcReduction="10000"/>
+          </a:bodyPr>
           <a:lstStyle/>
           <a:p>
             <a:pPr algn="ctr" eaLnBrk="1" hangingPunct="1">
@@ -6343,8 +6345,23 @@
               <a:rPr lang="en-US" dirty="0" smtClean="0">
                 <a:latin typeface="Arial" charset="0"/>
               </a:rPr>
-              <a:t>Geiger</a:t>
-            </a:r>
+              <a:t>Geiger &amp; Dr. </a:t>
+            </a:r>
+            <a:r>
+              <a:rPr lang="en-US" dirty="0" err="1" smtClean="0">
+                <a:latin typeface="Arial" charset="0"/>
+              </a:rPr>
+              <a:t>Peilong</a:t>
+            </a:r>
+            <a:r>
+              <a:rPr lang="en-US" dirty="0" smtClean="0">
+                <a:latin typeface="Arial" charset="0"/>
+              </a:rPr>
+              <a:t> Li</a:t>
+            </a:r>
+            <a:endParaRPr lang="en-US" dirty="0" smtClean="0">
+              <a:latin typeface="Arial" charset="0"/>
+            </a:endParaRPr>
           </a:p>
           <a:p>
             <a:pPr algn="ctr" eaLnBrk="1" hangingPunct="1">
@@ -6358,7 +6375,7 @@
               <a:rPr lang="en-US" dirty="0" smtClean="0">
                 <a:latin typeface="Arial" charset="0"/>
               </a:rPr>
-              <a:t>Fall 2016</a:t>
+              <a:t>Spring 2017</a:t>
             </a:r>
             <a:endParaRPr lang="en-US" dirty="0">
               <a:latin typeface="Arial" charset="0"/>
@@ -6400,7 +6417,7 @@
                 </a:solidFill>
                 <a:latin typeface="Arial" charset="0"/>
               </a:rPr>
-              <a:t>13:</a:t>
+              <a:t>11:</a:t>
             </a:r>
             <a:endParaRPr lang="en-US" b="1" dirty="0">
               <a:solidFill>
@@ -6421,7 +6438,28 @@
               <a:rPr lang="en-US" dirty="0" smtClean="0">
                 <a:latin typeface="Arial" charset="0"/>
               </a:rPr>
-              <a:t>For loops</a:t>
+              <a:t>Finishing PE2</a:t>
+            </a:r>
+          </a:p>
+          <a:p>
+            <a:pPr algn="ctr" eaLnBrk="1" hangingPunct="1">
+              <a:lnSpc>
+                <a:spcPct val="90000"/>
+              </a:lnSpc>
+              <a:buFont typeface="Wingdings" charset="0"/>
+              <a:buNone/>
+            </a:pPr>
+            <a:r>
+              <a:rPr lang="en-US" dirty="0" smtClean="0">
+                <a:latin typeface="Arial" charset="0"/>
+              </a:rPr>
+              <a:t>For </a:t>
+            </a:r>
+            <a:r>
+              <a:rPr lang="en-US" dirty="0" smtClean="0">
+                <a:latin typeface="Arial" charset="0"/>
+              </a:rPr>
+              <a:t>loops</a:t>
             </a:r>
             <a:endParaRPr lang="en-US" dirty="0">
               <a:latin typeface="Arial" charset="0"/>
@@ -7050,11 +7088,11 @@
           </a:lstStyle>
           <a:p>
             <a:pPr eaLnBrk="1" hangingPunct="1"/>
-            <a:fld id="{904FCF98-DB76-034B-B527-7820467150A4}" type="datetime1">
+            <a:fld id="{B49C4929-3F10-774C-95EC-E167EF057427}" type="datetime1">
               <a:rPr lang="en-US" sz="1200" smtClean="0">
                 <a:latin typeface="Garamond" charset="0"/>
               </a:rPr>
-              <a:t>2/8/17</a:t>
+              <a:t>2/9/17</a:t>
             </a:fld>
             <a:endParaRPr lang="en-US" sz="1200">
               <a:latin typeface="Garamond" charset="0"/>
@@ -7082,7 +7120,7 @@
             </a:pPr>
             <a:r>
               <a:rPr lang="en-US" altLang="en-US" smtClean="0"/>
-              <a:t>ECE Application Programming:  Lecture 13</a:t>
+              <a:t>ECE Application Programming:  Lecture 11</a:t>
             </a:r>
             <a:endParaRPr lang="en-US" altLang="en-US"/>
           </a:p>
@@ -7851,11 +7889,11 @@
           </a:lstStyle>
           <a:p>
             <a:pPr eaLnBrk="1" hangingPunct="1"/>
-            <a:fld id="{8D1A05CD-E2AF-8242-A190-81D254008A8D}" type="datetime1">
+            <a:fld id="{7A0BF942-8607-284E-B957-7AA7E9FA20BA}" type="datetime1">
               <a:rPr lang="en-US" sz="1200" smtClean="0">
                 <a:latin typeface="Garamond" charset="0"/>
               </a:rPr>
-              <a:t>2/8/17</a:t>
+              <a:t>2/9/17</a:t>
             </a:fld>
             <a:endParaRPr lang="en-US" sz="1200">
               <a:latin typeface="Garamond" charset="0"/>
@@ -7883,7 +7921,7 @@
             </a:pPr>
             <a:r>
               <a:rPr lang="en-US" altLang="en-US" smtClean="0"/>
-              <a:t>ECE Application Programming:  Lecture 13</a:t>
+              <a:t>ECE Application Programming:  Lecture 11</a:t>
             </a:r>
             <a:endParaRPr lang="en-US" altLang="en-US"/>
           </a:p>
@@ -8497,11 +8535,11 @@
           </a:lstStyle>
           <a:p>
             <a:pPr eaLnBrk="1" hangingPunct="1"/>
-            <a:fld id="{A2BE1122-2C21-614C-AC37-22FD2F618296}" type="datetime1">
+            <a:fld id="{168F5C6A-DA89-B64C-941C-9BCC5B3ABF38}" type="datetime1">
               <a:rPr lang="en-US" sz="1200" smtClean="0">
                 <a:latin typeface="Garamond" charset="0"/>
               </a:rPr>
-              <a:t>2/8/17</a:t>
+              <a:t>2/9/17</a:t>
             </a:fld>
             <a:endParaRPr lang="en-US" sz="1200">
               <a:latin typeface="Garamond" charset="0"/>
@@ -8529,7 +8567,7 @@
             </a:pPr>
             <a:r>
               <a:rPr lang="en-US" altLang="en-US" smtClean="0"/>
-              <a:t>ECE Application Programming:  Lecture 13</a:t>
+              <a:t>ECE Application Programming:  Lecture 11</a:t>
             </a:r>
             <a:endParaRPr lang="en-US" altLang="en-US"/>
           </a:p>
@@ -9107,11 +9145,11 @@
           </a:lstStyle>
           <a:p>
             <a:pPr eaLnBrk="1" hangingPunct="1"/>
-            <a:fld id="{2F71DAEE-20A8-BF4B-8528-EEB73797786F}" type="datetime1">
+            <a:fld id="{BA4121AE-C1B5-EF4B-9DCA-8CA623E9C1F3}" type="datetime1">
               <a:rPr lang="en-US" sz="1200" smtClean="0">
                 <a:latin typeface="Garamond" charset="0"/>
               </a:rPr>
-              <a:t>2/8/17</a:t>
+              <a:t>2/9/17</a:t>
             </a:fld>
             <a:endParaRPr lang="en-US" sz="1200">
               <a:latin typeface="Garamond" charset="0"/>
@@ -9139,7 +9177,7 @@
             </a:pPr>
             <a:r>
               <a:rPr lang="en-US" altLang="en-US" smtClean="0"/>
-              <a:t>ECE Application Programming:  Lecture 13</a:t>
+              <a:t>ECE Application Programming:  Lecture 11</a:t>
             </a:r>
             <a:endParaRPr lang="en-US" altLang="en-US"/>
           </a:p>
@@ -9755,11 +9793,11 @@
           </a:lstStyle>
           <a:p>
             <a:pPr eaLnBrk="1" hangingPunct="1"/>
-            <a:fld id="{AC64719D-8118-234F-8FEF-7047D4159196}" type="datetime1">
+            <a:fld id="{A5E64252-964C-394C-90E9-217121A5F7BE}" type="datetime1">
               <a:rPr lang="en-US" sz="1200" smtClean="0">
                 <a:latin typeface="Garamond" charset="0"/>
               </a:rPr>
-              <a:t>2/8/17</a:t>
+              <a:t>2/9/17</a:t>
             </a:fld>
             <a:endParaRPr lang="en-US" sz="1200">
               <a:latin typeface="Garamond" charset="0"/>
@@ -9787,7 +9825,7 @@
             </a:pPr>
             <a:r>
               <a:rPr lang="en-US" altLang="en-US" smtClean="0"/>
-              <a:t>ECE Application Programming:  Lecture 13</a:t>
+              <a:t>ECE Application Programming:  Lecture 11</a:t>
             </a:r>
             <a:endParaRPr lang="en-US" altLang="en-US"/>
           </a:p>
@@ -10557,11 +10595,11 @@
           </a:lstStyle>
           <a:p>
             <a:pPr eaLnBrk="1" hangingPunct="1"/>
-            <a:fld id="{4D7F6994-D574-5E46-82E6-0E0AD72C1F1E}" type="datetime1">
+            <a:fld id="{8F413E5C-81D7-8141-897F-5F8CD443976B}" type="datetime1">
               <a:rPr lang="en-US" sz="1200" smtClean="0">
                 <a:latin typeface="Garamond" charset="0"/>
               </a:rPr>
-              <a:t>2/8/17</a:t>
+              <a:t>2/9/17</a:t>
             </a:fld>
             <a:endParaRPr lang="en-US" sz="1200">
               <a:latin typeface="Garamond" charset="0"/>
@@ -10747,7 +10785,7 @@
             </a:pPr>
             <a:r>
               <a:rPr lang="en-US" altLang="en-US" smtClean="0"/>
-              <a:t>ECE Application Programming:  Lecture 13</a:t>
+              <a:t>ECE Application Programming:  Lecture 11</a:t>
             </a:r>
             <a:endParaRPr lang="en-US" altLang="en-US"/>
           </a:p>
@@ -12301,11 +12339,11 @@
           </a:lstStyle>
           <a:p>
             <a:pPr eaLnBrk="1" hangingPunct="1"/>
-            <a:fld id="{B3D06D8A-1279-D44E-BB25-8345BBEB30EF}" type="datetime1">
+            <a:fld id="{FB1BB8E7-EBD1-9442-9339-3426D9D3BE34}" type="datetime1">
               <a:rPr lang="en-US" sz="1200" smtClean="0">
                 <a:latin typeface="Garamond" charset="0"/>
               </a:rPr>
-              <a:t>2/8/17</a:t>
+              <a:t>2/9/17</a:t>
             </a:fld>
             <a:endParaRPr lang="en-US" sz="1200">
               <a:latin typeface="Garamond" charset="0"/>
@@ -12491,7 +12529,7 @@
             </a:pPr>
             <a:r>
               <a:rPr lang="en-US" altLang="en-US" smtClean="0"/>
-              <a:t>ECE Application Programming:  Lecture 13</a:t>
+              <a:t>ECE Application Programming:  Lecture 11</a:t>
             </a:r>
             <a:endParaRPr lang="en-US" altLang="en-US"/>
           </a:p>
@@ -13313,11 +13351,11 @@
           </a:lstStyle>
           <a:p>
             <a:pPr eaLnBrk="1" hangingPunct="1"/>
-            <a:fld id="{17FE6711-B40E-6449-908E-2F08CDB6AA68}" type="datetime1">
+            <a:fld id="{117E4F91-1363-9B41-9201-DEFD4D69C93E}" type="datetime1">
               <a:rPr lang="en-US" sz="1200" smtClean="0">
                 <a:latin typeface="Garamond" charset="0"/>
               </a:rPr>
-              <a:t>2/8/17</a:t>
+              <a:t>2/9/17</a:t>
             </a:fld>
             <a:endParaRPr lang="en-US" sz="1200">
               <a:latin typeface="Garamond" charset="0"/>
@@ -13345,7 +13383,7 @@
             </a:pPr>
             <a:r>
               <a:rPr lang="en-US" altLang="en-US" smtClean="0"/>
-              <a:t>ECE Application Programming:  Lecture 13</a:t>
+              <a:t>ECE Application Programming:  Lecture 11</a:t>
             </a:r>
             <a:endParaRPr lang="en-US" altLang="en-US"/>
           </a:p>
@@ -14224,11 +14262,11 @@
           </a:lstStyle>
           <a:p>
             <a:pPr eaLnBrk="1" hangingPunct="1"/>
-            <a:fld id="{F8361C5B-3CBC-D543-84D3-CF297B34F229}" type="datetime1">
+            <a:fld id="{08508A16-5106-A141-A1DE-C399F8570DEA}" type="datetime1">
               <a:rPr lang="en-US" sz="1200" smtClean="0">
                 <a:latin typeface="Garamond" charset="0"/>
               </a:rPr>
-              <a:t>2/8/17</a:t>
+              <a:t>2/9/17</a:t>
             </a:fld>
             <a:endParaRPr lang="en-US" sz="1200">
               <a:latin typeface="Garamond" charset="0"/>
@@ -14256,7 +14294,7 @@
             </a:pPr>
             <a:r>
               <a:rPr lang="en-US" altLang="en-US" smtClean="0"/>
-              <a:t>ECE Application Programming:  Lecture 13</a:t>
+              <a:t>ECE Application Programming:  Lecture 11</a:t>
             </a:r>
             <a:endParaRPr lang="en-US" altLang="en-US"/>
           </a:p>
@@ -14655,11 +14693,11 @@
           </a:lstStyle>
           <a:p>
             <a:pPr eaLnBrk="1" hangingPunct="1"/>
-            <a:fld id="{7BF20309-50DA-814A-8999-099B2F216C02}" type="datetime1">
+            <a:fld id="{5C1C0374-6BAD-D64A-BBDF-E60C927CA514}" type="datetime1">
               <a:rPr lang="en-US" sz="1200" smtClean="0">
                 <a:latin typeface="Garamond" charset="0"/>
               </a:rPr>
-              <a:t>2/8/17</a:t>
+              <a:t>2/9/17</a:t>
             </a:fld>
             <a:endParaRPr lang="en-US" sz="1200">
               <a:latin typeface="Garamond" charset="0"/>
@@ -14687,7 +14725,7 @@
             </a:pPr>
             <a:r>
               <a:rPr lang="en-US" altLang="en-US" smtClean="0"/>
-              <a:t>ECE Application Programming:  Lecture 13</a:t>
+              <a:t>ECE Application Programming:  Lecture 11</a:t>
             </a:r>
             <a:endParaRPr lang="en-US" altLang="en-US"/>
           </a:p>
@@ -15743,7 +15781,9 @@
         </p:nvSpPr>
         <p:spPr/>
         <p:txBody>
-          <a:bodyPr/>
+          <a:bodyPr>
+            <a:normAutofit lnSpcReduction="10000"/>
+          </a:bodyPr>
           <a:lstStyle/>
           <a:p>
             <a:r>
@@ -15756,7 +15796,16 @@
           <a:p>
             <a:pPr lvl="1"/>
             <a:r>
-              <a:rPr lang="en-US" dirty="0">
+              <a:rPr lang="en-US" dirty="0" smtClean="0">
+                <a:latin typeface="Arial" charset="0"/>
+              </a:rPr>
+              <a:t>Program 3 due today</a:t>
+            </a:r>
+          </a:p>
+          <a:p>
+            <a:pPr lvl="1"/>
+            <a:r>
+              <a:rPr lang="en-US" dirty="0" smtClean="0">
                 <a:latin typeface="Arial" charset="0"/>
               </a:rPr>
               <a:t>Program </a:t>
@@ -15765,8 +15814,17 @@
               <a:rPr lang="en-US" dirty="0" smtClean="0">
                 <a:latin typeface="Arial" charset="0"/>
               </a:rPr>
-              <a:t>4 due 10/11</a:t>
-            </a:r>
+              <a:t>4 </a:t>
+            </a:r>
+            <a:r>
+              <a:rPr lang="en-US" dirty="0" smtClean="0">
+                <a:latin typeface="Arial" charset="0"/>
+              </a:rPr>
+              <a:t>due 2/22</a:t>
+            </a:r>
+            <a:endParaRPr lang="en-US" dirty="0" smtClean="0">
+              <a:latin typeface="Arial" charset="0"/>
+            </a:endParaRPr>
           </a:p>
           <a:p>
             <a:pPr lvl="1"/>
@@ -15774,8 +15832,35 @@
               <a:rPr lang="en-US" dirty="0" smtClean="0">
                 <a:latin typeface="Arial" charset="0"/>
               </a:rPr>
-              <a:t>TA office hours: T 11-1, Ball 328</a:t>
-            </a:r>
+              <a:t>TA </a:t>
+            </a:r>
+            <a:r>
+              <a:rPr lang="en-US" dirty="0" smtClean="0">
+                <a:latin typeface="Arial" charset="0"/>
+              </a:rPr>
+              <a:t>office </a:t>
+            </a:r>
+            <a:r>
+              <a:rPr lang="en-US" dirty="0" smtClean="0">
+                <a:latin typeface="Arial" charset="0"/>
+              </a:rPr>
+              <a:t>hours will be T/</a:t>
+            </a:r>
+            <a:r>
+              <a:rPr lang="en-US" dirty="0" err="1" smtClean="0">
+                <a:latin typeface="Arial" charset="0"/>
+              </a:rPr>
+              <a:t>Th</a:t>
+            </a:r>
+            <a:r>
+              <a:rPr lang="en-US" dirty="0" smtClean="0">
+                <a:latin typeface="Arial" charset="0"/>
+              </a:rPr>
+              <a:t> 10-12 starting next week</a:t>
+            </a:r>
+            <a:endParaRPr lang="en-US" dirty="0" smtClean="0">
+              <a:latin typeface="Arial" charset="0"/>
+            </a:endParaRPr>
           </a:p>
           <a:p>
             <a:pPr lvl="2"/>
@@ -15783,16 +15868,7 @@
               <a:rPr lang="en-US" dirty="0" smtClean="0">
                 <a:latin typeface="Arial" charset="0"/>
               </a:rPr>
-              <a:t>May add additional hours as term goes on</a:t>
-            </a:r>
-          </a:p>
-          <a:p>
-            <a:pPr lvl="2"/>
-            <a:r>
-              <a:rPr lang="en-US" dirty="0" smtClean="0">
-                <a:latin typeface="Arial" charset="0"/>
-              </a:rPr>
-              <a:t>No office hours next Tuesday (Mon schedule on Tue)</a:t>
+              <a:t>Room still to be determined—have Ball 313 reserved 10-11 but nothing for 11-12 yet</a:t>
             </a:r>
             <a:endParaRPr lang="en-US" dirty="0">
               <a:latin typeface="Arial" charset="0"/>
@@ -15801,35 +15877,20 @@
           <a:p>
             <a:pPr lvl="1"/>
             <a:r>
+              <a:rPr lang="en-US" dirty="0" err="1" smtClean="0">
+                <a:latin typeface="Arial" charset="0"/>
+              </a:rPr>
+              <a:t>Regrade</a:t>
+            </a:r>
+            <a:r>
               <a:rPr lang="en-US" dirty="0" smtClean="0">
                 <a:latin typeface="Arial" charset="0"/>
               </a:rPr>
-              <a:t>Exams to be returned Friday ... </a:t>
-            </a:r>
-            <a:r>
-              <a:rPr lang="en-US" sz="1000" dirty="0" smtClean="0">
-                <a:latin typeface="Arial" charset="0"/>
-              </a:rPr>
-              <a:t>or maybe Tuesday</a:t>
-            </a:r>
-            <a:endParaRPr lang="en-US" dirty="0">
+              <a:t> deadline for P1/P2 to be determined</a:t>
+            </a:r>
+            <a:endParaRPr lang="en-US" dirty="0" smtClean="0">
               <a:latin typeface="Arial" charset="0"/>
             </a:endParaRPr>
-          </a:p>
-          <a:p>
-            <a:pPr lvl="1"/>
-            <a:r>
-              <a:rPr lang="en-US" dirty="0" smtClean="0">
-                <a:latin typeface="Arial" charset="0"/>
-              </a:rPr>
-              <a:t>Program 2 graded; </a:t>
-            </a:r>
-            <a:r>
-              <a:rPr lang="en-US" smtClean="0">
-                <a:latin typeface="Arial" charset="0"/>
-              </a:rPr>
-              <a:t>regrade deadline TBD</a:t>
-            </a:r>
           </a:p>
           <a:p>
             <a:r>
@@ -15998,11 +16059,11 @@
             </a:lvl9pPr>
           </a:lstStyle>
           <a:p>
-            <a:fld id="{2E2C3957-53E6-A244-A3D6-9BAABF92F98C}" type="datetime1">
+            <a:fld id="{89FF164C-0B47-E54C-8ACB-F3D3B5CC2415}" type="datetime1">
               <a:rPr lang="en-US" sz="1200" smtClean="0">
                 <a:latin typeface="Garamond" charset="0"/>
               </a:rPr>
-              <a:t>2/8/17</a:t>
+              <a:t>2/9/17</a:t>
             </a:fld>
             <a:endParaRPr lang="en-US" sz="1200">
               <a:latin typeface="Garamond" charset="0"/>
@@ -16030,7 +16091,7 @@
             </a:pPr>
             <a:r>
               <a:rPr lang="en-US" altLang="en-US" smtClean="0"/>
-              <a:t>ECE Application Programming:  Lecture 13</a:t>
+              <a:t>ECE Application Programming:  Lecture 11</a:t>
             </a:r>
             <a:endParaRPr lang="en-US" altLang="en-US" dirty="0"/>
           </a:p>
@@ -16403,11 +16464,11 @@
           </a:lstStyle>
           <a:p>
             <a:pPr eaLnBrk="1" hangingPunct="1"/>
-            <a:fld id="{D412EFAF-54C7-F241-91B2-04D496D27343}" type="datetime1">
+            <a:fld id="{6263B413-8F44-F040-977A-65F4C168E320}" type="datetime1">
               <a:rPr lang="en-US" sz="1200" smtClean="0">
                 <a:latin typeface="Garamond" charset="0"/>
               </a:rPr>
-              <a:t>2/8/17</a:t>
+              <a:t>2/9/17</a:t>
             </a:fld>
             <a:endParaRPr lang="en-US" sz="1200">
               <a:latin typeface="Garamond" charset="0"/>
@@ -16435,7 +16496,7 @@
             </a:pPr>
             <a:r>
               <a:rPr lang="en-US" altLang="en-US" smtClean="0"/>
-              <a:t>ECE Application Programming:  Lecture 13</a:t>
+              <a:t>ECE Application Programming:  Lecture 11</a:t>
             </a:r>
             <a:endParaRPr lang="en-US" altLang="en-US"/>
           </a:p>
@@ -17672,11 +17733,11 @@
             </a:lvl9pPr>
           </a:lstStyle>
           <a:p>
-            <a:fld id="{2C814600-2A77-804C-8291-AE0E4AFA0126}" type="datetime1">
+            <a:fld id="{08BEF8FD-1E1D-E644-A770-2957B06CACCC}" type="datetime1">
               <a:rPr lang="en-US" sz="1200" smtClean="0">
                 <a:latin typeface="Garamond" charset="0"/>
               </a:rPr>
-              <a:t>2/8/17</a:t>
+              <a:t>2/9/17</a:t>
             </a:fld>
             <a:endParaRPr lang="en-US" sz="1200">
               <a:latin typeface="Garamond" charset="0"/>
@@ -17704,7 +17765,7 @@
             </a:pPr>
             <a:r>
               <a:rPr lang="en-US" altLang="en-US" smtClean="0"/>
-              <a:t>ECE Application Programming:  Lecture 13</a:t>
+              <a:t>ECE Application Programming:  Lecture 11</a:t>
             </a:r>
             <a:endParaRPr lang="en-US" altLang="en-US"/>
           </a:p>
@@ -18186,11 +18247,11 @@
             </a:lvl9pPr>
           </a:lstStyle>
           <a:p>
-            <a:fld id="{8DFD2381-E3C2-8544-8A12-7A7C8052E43D}" type="datetime1">
+            <a:fld id="{1B73D3DC-6BAF-3546-82F6-28B6280DAF08}" type="datetime1">
               <a:rPr lang="en-US" sz="1200" smtClean="0">
                 <a:latin typeface="Garamond" charset="0"/>
               </a:rPr>
-              <a:t>2/8/17</a:t>
+              <a:t>2/9/17</a:t>
             </a:fld>
             <a:endParaRPr lang="en-US" sz="1200">
               <a:latin typeface="Garamond" charset="0"/>
@@ -18218,7 +18279,7 @@
             </a:pPr>
             <a:r>
               <a:rPr lang="en-US" altLang="en-US" smtClean="0"/>
-              <a:t>ECE Application Programming:  Lecture 13</a:t>
+              <a:t>ECE Application Programming:  Lecture 11</a:t>
             </a:r>
             <a:endParaRPr lang="en-US" altLang="en-US"/>
           </a:p>
@@ -18546,11 +18607,11 @@
             </a:lvl9pPr>
           </a:lstStyle>
           <a:p>
-            <a:fld id="{8E8FBBD7-3E87-C74F-8552-9FA7BEF06A6C}" type="datetime1">
+            <a:fld id="{A7DAD1B2-92AD-1F49-A59F-25F0C8F4400A}" type="datetime1">
               <a:rPr lang="en-US" sz="1200" smtClean="0">
                 <a:latin typeface="Garamond" charset="0"/>
               </a:rPr>
-              <a:t>2/8/17</a:t>
+              <a:t>2/9/17</a:t>
             </a:fld>
             <a:endParaRPr lang="en-US" sz="1200">
               <a:latin typeface="Garamond" charset="0"/>
@@ -18578,7 +18639,7 @@
             </a:pPr>
             <a:r>
               <a:rPr lang="en-US" altLang="en-US" smtClean="0"/>
-              <a:t>ECE Application Programming:  Lecture 13</a:t>
+              <a:t>ECE Application Programming:  Lecture 11</a:t>
             </a:r>
             <a:endParaRPr lang="en-US" altLang="en-US"/>
           </a:p>
@@ -18969,11 +19030,11 @@
             </a:lvl9pPr>
           </a:lstStyle>
           <a:p>
-            <a:fld id="{9258F4E0-7151-B74E-8E02-275E3531B4AA}" type="datetime1">
+            <a:fld id="{8DDAF69A-749E-5943-A7CF-328ABA1CC574}" type="datetime1">
               <a:rPr lang="en-US" sz="1200" smtClean="0">
                 <a:latin typeface="Garamond" charset="0"/>
               </a:rPr>
-              <a:t>2/8/17</a:t>
+              <a:t>2/9/17</a:t>
             </a:fld>
             <a:endParaRPr lang="en-US" sz="1200">
               <a:latin typeface="Garamond" charset="0"/>
@@ -19001,7 +19062,7 @@
             </a:pPr>
             <a:r>
               <a:rPr lang="en-US" altLang="en-US" smtClean="0"/>
-              <a:t>ECE Application Programming:  Lecture 13</a:t>
+              <a:t>ECE Application Programming:  Lecture 11</a:t>
             </a:r>
             <a:endParaRPr lang="en-US" altLang="en-US"/>
           </a:p>
@@ -19439,11 +19500,11 @@
             </a:lvl9pPr>
           </a:lstStyle>
           <a:p>
-            <a:fld id="{406D64E8-4DA2-1D40-B035-CFFBFC48B41F}" type="datetime1">
+            <a:fld id="{4AEF39AD-EE1B-F041-8B95-1459D66EA57E}" type="datetime1">
               <a:rPr lang="en-US" sz="1200" smtClean="0">
                 <a:latin typeface="Garamond" charset="0"/>
               </a:rPr>
-              <a:t>2/8/17</a:t>
+              <a:t>2/9/17</a:t>
             </a:fld>
             <a:endParaRPr lang="en-US" sz="1200">
               <a:latin typeface="Garamond" charset="0"/>
@@ -19471,7 +19532,7 @@
             </a:pPr>
             <a:r>
               <a:rPr lang="en-US" altLang="en-US" smtClean="0"/>
-              <a:t>ECE Application Programming:  Lecture 13</a:t>
+              <a:t>ECE Application Programming:  Lecture 11</a:t>
             </a:r>
             <a:endParaRPr lang="en-US" altLang="en-US"/>
           </a:p>
@@ -20061,11 +20122,11 @@
             </a:lvl9pPr>
           </a:lstStyle>
           <a:p>
-            <a:fld id="{3E5FF5B3-CD99-8F40-8BF0-E8A99F6A27B2}" type="datetime1">
+            <a:fld id="{E60CB06A-4BED-724B-B7B6-76D57B76E4E0}" type="datetime1">
               <a:rPr lang="en-US" sz="1200" smtClean="0">
                 <a:latin typeface="Garamond" charset="0"/>
               </a:rPr>
-              <a:t>2/8/17</a:t>
+              <a:t>2/9/17</a:t>
             </a:fld>
             <a:endParaRPr lang="en-US" sz="1200">
               <a:latin typeface="Garamond" charset="0"/>
@@ -20093,7 +20154,7 @@
             </a:pPr>
             <a:r>
               <a:rPr lang="en-US" altLang="en-US" smtClean="0"/>
-              <a:t>ECE Application Programming:  Lecture 13</a:t>
+              <a:t>ECE Application Programming:  Lecture 11</a:t>
             </a:r>
             <a:endParaRPr lang="en-US" altLang="en-US"/>
           </a:p>
@@ -20790,11 +20851,11 @@
             </a:lvl9pPr>
           </a:lstStyle>
           <a:p>
-            <a:fld id="{C1BA128E-F180-1649-ADBC-2836803D25D7}" type="datetime1">
+            <a:fld id="{C0837CC3-F83B-BD4F-9FD5-0A29AA56905F}" type="datetime1">
               <a:rPr lang="en-US" sz="1200" smtClean="0">
                 <a:latin typeface="Garamond" charset="0"/>
               </a:rPr>
-              <a:t>2/8/17</a:t>
+              <a:t>2/9/17</a:t>
             </a:fld>
             <a:endParaRPr lang="en-US" sz="1200">
               <a:latin typeface="Garamond" charset="0"/>
@@ -20822,7 +20883,7 @@
             </a:pPr>
             <a:r>
               <a:rPr lang="en-US" altLang="en-US" smtClean="0"/>
-              <a:t>ECE Application Programming:  Lecture 13</a:t>
+              <a:t>ECE Application Programming:  Lecture 11</a:t>
             </a:r>
             <a:endParaRPr lang="en-US" altLang="en-US"/>
           </a:p>
@@ -21038,7 +21099,9 @@
         </p:nvSpPr>
         <p:spPr/>
         <p:txBody>
-          <a:bodyPr/>
+          <a:bodyPr>
+            <a:normAutofit lnSpcReduction="10000"/>
+          </a:bodyPr>
           <a:lstStyle/>
           <a:p>
             <a:r>
@@ -21086,7 +21149,7 @@
               <a:rPr lang="en-US" dirty="0">
                 <a:latin typeface="Arial" charset="0"/>
               </a:rPr>
-              <a:t>Program 4 due 10/11</a:t>
+              <a:t>Program 3 due today</a:t>
             </a:r>
           </a:p>
           <a:p>
@@ -21095,7 +21158,28 @@
               <a:rPr lang="en-US" dirty="0">
                 <a:latin typeface="Arial" charset="0"/>
               </a:rPr>
-              <a:t>TA office hours: T 11-1, Ball 328</a:t>
+              <a:t>Program 4 due 2/22</a:t>
+            </a:r>
+          </a:p>
+          <a:p>
+            <a:pPr lvl="1"/>
+            <a:r>
+              <a:rPr lang="en-US" dirty="0">
+                <a:latin typeface="Arial" charset="0"/>
+              </a:rPr>
+              <a:t>TA office hours will be T/</a:t>
+            </a:r>
+            <a:r>
+              <a:rPr lang="en-US" dirty="0" err="1">
+                <a:latin typeface="Arial" charset="0"/>
+              </a:rPr>
+              <a:t>Th</a:t>
+            </a:r>
+            <a:r>
+              <a:rPr lang="en-US" dirty="0">
+                <a:latin typeface="Arial" charset="0"/>
+              </a:rPr>
+              <a:t> 10-12 starting next week</a:t>
             </a:r>
           </a:p>
           <a:p>
@@ -21104,28 +21188,22 @@
               <a:rPr lang="en-US" dirty="0">
                 <a:latin typeface="Arial" charset="0"/>
               </a:rPr>
-              <a:t>May add additional hours as term goes on</a:t>
-            </a:r>
-          </a:p>
-          <a:p>
-            <a:pPr lvl="2"/>
+              <a:t>Room still to be determined—have Ball 313 reserved 10-11 but nothing for 11-12 yet</a:t>
+            </a:r>
+          </a:p>
+          <a:p>
+            <a:pPr lvl="1"/>
+            <a:r>
+              <a:rPr lang="en-US" dirty="0" err="1">
+                <a:latin typeface="Arial" charset="0"/>
+              </a:rPr>
+              <a:t>Regrade</a:t>
+            </a:r>
             <a:r>
               <a:rPr lang="en-US" dirty="0">
                 <a:latin typeface="Arial" charset="0"/>
               </a:rPr>
-              <a:t>No office hours next Tuesday (</a:t>
-            </a:r>
-            <a:r>
-              <a:rPr lang="en-US" dirty="0" smtClean="0">
-                <a:latin typeface="Arial" charset="0"/>
-              </a:rPr>
-              <a:t>Mon </a:t>
-            </a:r>
-            <a:r>
-              <a:rPr lang="en-US" dirty="0">
-                <a:latin typeface="Arial" charset="0"/>
-              </a:rPr>
-              <a:t>schedule on Tue)</a:t>
+              <a:t> deadline for P1/P2 to be determined</a:t>
             </a:r>
           </a:p>
         </p:txBody>
@@ -21254,11 +21332,11 @@
             </a:lvl9pPr>
           </a:lstStyle>
           <a:p>
-            <a:fld id="{CF136580-156B-3741-897D-20C54D0D9559}" type="datetime1">
+            <a:fld id="{4EC3CC67-10C5-C84B-8FA3-8E69F9BC8AA2}" type="datetime1">
               <a:rPr lang="en-US" sz="1200" smtClean="0">
                 <a:latin typeface="Garamond" charset="0"/>
               </a:rPr>
-              <a:t>2/8/17</a:t>
+              <a:t>2/9/17</a:t>
             </a:fld>
             <a:endParaRPr lang="en-US" sz="1200">
               <a:latin typeface="Garamond" charset="0"/>
@@ -21286,7 +21364,7 @@
             </a:pPr>
             <a:r>
               <a:rPr lang="en-US" altLang="en-US" smtClean="0"/>
-              <a:t>ECE Application Programming:  Lecture 13</a:t>
+              <a:t>ECE Application Programming:  Lecture 11</a:t>
             </a:r>
             <a:endParaRPr lang="en-US" altLang="en-US"/>
           </a:p>
@@ -21615,11 +21693,11 @@
             </a:lvl9pPr>
           </a:lstStyle>
           <a:p>
-            <a:fld id="{3EABF35D-E007-C745-B999-1C9022AA9F6D}" type="datetime1">
+            <a:fld id="{EFE3B7E8-0455-884C-80DF-C90C619F7BC7}" type="datetime1">
               <a:rPr lang="en-US" sz="1200" smtClean="0">
                 <a:latin typeface="Garamond" charset="0"/>
               </a:rPr>
-              <a:t>2/8/17</a:t>
+              <a:t>2/9/17</a:t>
             </a:fld>
             <a:endParaRPr lang="en-US" sz="1200">
               <a:latin typeface="Garamond" charset="0"/>
@@ -21647,7 +21725,7 @@
             </a:pPr>
             <a:r>
               <a:rPr lang="en-US" altLang="en-US" smtClean="0"/>
-              <a:t>ECE Application Programming:  Lecture 12</a:t>
+              <a:t>ECE Application Programming:  Lecture 11</a:t>
             </a:r>
             <a:endParaRPr lang="en-US" altLang="en-US"/>
           </a:p>
@@ -22908,11 +22986,11 @@
             </a:lvl9pPr>
           </a:lstStyle>
           <a:p>
-            <a:fld id="{3F76DC9F-EE72-CC43-AC20-7C69CAF94EF6}" type="datetime1">
+            <a:fld id="{C8DD0D1B-B5D5-0B48-AB1B-2FDED9864CFD}" type="datetime1">
               <a:rPr lang="en-US" sz="1200" smtClean="0">
                 <a:latin typeface="Garamond" charset="0"/>
               </a:rPr>
-              <a:t>2/8/17</a:t>
+              <a:t>2/9/17</a:t>
             </a:fld>
             <a:endParaRPr lang="en-US" sz="1200">
               <a:latin typeface="Garamond" charset="0"/>
@@ -22940,7 +23018,7 @@
             </a:pPr>
             <a:r>
               <a:rPr lang="en-US" altLang="en-US" smtClean="0"/>
-              <a:t>ECE Application Programming:  Lecture 12</a:t>
+              <a:t>ECE Application Programming:  Lecture 11</a:t>
             </a:r>
             <a:endParaRPr lang="en-US" altLang="en-US"/>
           </a:p>
@@ -23268,11 +23346,11 @@
             </a:lvl9pPr>
           </a:lstStyle>
           <a:p>
-            <a:fld id="{F9BBD4BD-06E7-924D-9FE3-D89071ED2D8C}" type="datetime1">
+            <a:fld id="{AD83FAD9-3877-094F-9BDC-C5082DEEE25F}" type="datetime1">
               <a:rPr lang="en-US" sz="1200" smtClean="0">
                 <a:latin typeface="Garamond" charset="0"/>
               </a:rPr>
-              <a:t>2/8/17</a:t>
+              <a:t>2/9/17</a:t>
             </a:fld>
             <a:endParaRPr lang="en-US" sz="1200">
               <a:latin typeface="Garamond" charset="0"/>
@@ -23300,7 +23378,7 @@
             </a:pPr>
             <a:r>
               <a:rPr lang="en-US" altLang="en-US" smtClean="0"/>
-              <a:t>ECE Application Programming:  Lecture 12</a:t>
+              <a:t>ECE Application Programming:  Lecture 11</a:t>
             </a:r>
             <a:endParaRPr lang="en-US" altLang="en-US"/>
           </a:p>
@@ -23737,11 +23815,11 @@
             </a:lvl9pPr>
           </a:lstStyle>
           <a:p>
-            <a:fld id="{CFDB15E3-B65B-174C-902E-3D6EB1670F63}" type="datetime1">
+            <a:fld id="{4AA5B16B-D986-5445-992F-7BA0B343C811}" type="datetime1">
               <a:rPr lang="en-US" sz="1200" smtClean="0">
                 <a:latin typeface="Garamond" charset="0"/>
               </a:rPr>
-              <a:t>2/8/17</a:t>
+              <a:t>2/9/17</a:t>
             </a:fld>
             <a:endParaRPr lang="en-US" sz="1200">
               <a:latin typeface="Garamond" charset="0"/>
@@ -23769,7 +23847,7 @@
             </a:pPr>
             <a:r>
               <a:rPr lang="en-US" altLang="en-US" smtClean="0"/>
-              <a:t>ECE Application Programming:  Lecture 12</a:t>
+              <a:t>ECE Application Programming:  Lecture 11</a:t>
             </a:r>
             <a:endParaRPr lang="en-US" altLang="en-US"/>
           </a:p>
@@ -24822,11 +24900,11 @@
             </a:lvl9pPr>
           </a:lstStyle>
           <a:p>
-            <a:fld id="{21FBC11F-BAA6-D14E-9ED0-BF7E0774D4CA}" type="datetime1">
+            <a:fld id="{5B26E0AD-AF93-DF4D-944B-EE0AA49160A3}" type="datetime1">
               <a:rPr lang="en-US" sz="1200" smtClean="0">
                 <a:latin typeface="Garamond" charset="0"/>
               </a:rPr>
-              <a:t>2/8/17</a:t>
+              <a:t>2/9/17</a:t>
             </a:fld>
             <a:endParaRPr lang="en-US" sz="1200">
               <a:latin typeface="Garamond" charset="0"/>
@@ -24854,7 +24932,7 @@
             </a:pPr>
             <a:r>
               <a:rPr lang="en-US" altLang="en-US" smtClean="0"/>
-              <a:t>ECE Application Programming:  Lecture 12</a:t>
+              <a:t>ECE Application Programming:  Lecture 11</a:t>
             </a:r>
             <a:endParaRPr lang="en-US" altLang="en-US"/>
           </a:p>
@@ -25772,9 +25850,9 @@
           <a:bodyPr/>
           <a:lstStyle/>
           <a:p>
-            <a:fld id="{4F66F99C-9020-8B42-A69C-36EB11CCE049}" type="datetime1">
+            <a:fld id="{93B944C9-823F-3046-A0D5-6336BA40A7D1}" type="datetime1">
               <a:rPr lang="en-US" smtClean="0"/>
-              <a:t>2/8/17</a:t>
+              <a:t>2/9/17</a:t>
             </a:fld>
             <a:endParaRPr lang="en-US"/>
           </a:p>
@@ -25800,7 +25878,7 @@
             </a:pPr>
             <a:r>
               <a:rPr lang="en-US" altLang="en-US" smtClean="0"/>
-              <a:t>ECE Application Programming:  Lecture 12</a:t>
+              <a:t>ECE Application Programming:  Lecture 11</a:t>
             </a:r>
             <a:endParaRPr lang="en-US" altLang="en-US"/>
           </a:p>
@@ -26481,11 +26559,11 @@
           </a:lstStyle>
           <a:p>
             <a:pPr eaLnBrk="1" hangingPunct="1"/>
-            <a:fld id="{EC0FC938-FB32-A44B-A783-4DAC32CA6EAD}" type="datetime1">
+            <a:fld id="{825FB1A1-4819-A347-8DF1-CC1904BADB67}" type="datetime1">
               <a:rPr lang="en-US" sz="1200" smtClean="0">
                 <a:latin typeface="Garamond" charset="0"/>
               </a:rPr>
-              <a:t>2/8/17</a:t>
+              <a:t>2/9/17</a:t>
             </a:fld>
             <a:endParaRPr lang="en-US" sz="1200">
               <a:latin typeface="Garamond" charset="0"/>
@@ -26513,7 +26591,7 @@
             </a:pPr>
             <a:r>
               <a:rPr lang="en-US" altLang="en-US" smtClean="0"/>
-              <a:t>ECE Application Programming:  Lecture 12</a:t>
+              <a:t>ECE Application Programming:  Lecture 11</a:t>
             </a:r>
             <a:endParaRPr lang="en-US" altLang="en-US"/>
           </a:p>
